--- a/kospi_portfolio_reinforcement_learning/포트폴리오 강화학습.pptx
+++ b/kospi_portfolio_reinforcement_learning/포트폴리오 강화학습.pptx
@@ -265,7 +265,7 @@
           <a:p>
             <a:fld id="{A28E2B26-542C-4B58-9D28-70FF7E9FC909}" type="datetimeFigureOut">
               <a:rPr lang="ko-KR" altLang="en-US" smtClean="0"/>
-              <a:t>2020-10-11</a:t>
+              <a:t>2020-10-12</a:t>
             </a:fld>
             <a:endParaRPr lang="ko-KR" altLang="en-US"/>
           </a:p>
@@ -463,7 +463,7 @@
           <a:p>
             <a:fld id="{A28E2B26-542C-4B58-9D28-70FF7E9FC909}" type="datetimeFigureOut">
               <a:rPr lang="ko-KR" altLang="en-US" smtClean="0"/>
-              <a:t>2020-10-11</a:t>
+              <a:t>2020-10-12</a:t>
             </a:fld>
             <a:endParaRPr lang="ko-KR" altLang="en-US"/>
           </a:p>
@@ -671,7 +671,7 @@
           <a:p>
             <a:fld id="{A28E2B26-542C-4B58-9D28-70FF7E9FC909}" type="datetimeFigureOut">
               <a:rPr lang="ko-KR" altLang="en-US" smtClean="0"/>
-              <a:t>2020-10-11</a:t>
+              <a:t>2020-10-12</a:t>
             </a:fld>
             <a:endParaRPr lang="ko-KR" altLang="en-US"/>
           </a:p>
@@ -869,7 +869,7 @@
           <a:p>
             <a:fld id="{A28E2B26-542C-4B58-9D28-70FF7E9FC909}" type="datetimeFigureOut">
               <a:rPr lang="ko-KR" altLang="en-US" smtClean="0"/>
-              <a:t>2020-10-11</a:t>
+              <a:t>2020-10-12</a:t>
             </a:fld>
             <a:endParaRPr lang="ko-KR" altLang="en-US"/>
           </a:p>
@@ -1144,7 +1144,7 @@
           <a:p>
             <a:fld id="{A28E2B26-542C-4B58-9D28-70FF7E9FC909}" type="datetimeFigureOut">
               <a:rPr lang="ko-KR" altLang="en-US" smtClean="0"/>
-              <a:t>2020-10-11</a:t>
+              <a:t>2020-10-12</a:t>
             </a:fld>
             <a:endParaRPr lang="ko-KR" altLang="en-US"/>
           </a:p>
@@ -1409,7 +1409,7 @@
           <a:p>
             <a:fld id="{A28E2B26-542C-4B58-9D28-70FF7E9FC909}" type="datetimeFigureOut">
               <a:rPr lang="ko-KR" altLang="en-US" smtClean="0"/>
-              <a:t>2020-10-11</a:t>
+              <a:t>2020-10-12</a:t>
             </a:fld>
             <a:endParaRPr lang="ko-KR" altLang="en-US"/>
           </a:p>
@@ -1821,7 +1821,7 @@
           <a:p>
             <a:fld id="{A28E2B26-542C-4B58-9D28-70FF7E9FC909}" type="datetimeFigureOut">
               <a:rPr lang="ko-KR" altLang="en-US" smtClean="0"/>
-              <a:t>2020-10-11</a:t>
+              <a:t>2020-10-12</a:t>
             </a:fld>
             <a:endParaRPr lang="ko-KR" altLang="en-US"/>
           </a:p>
@@ -1962,7 +1962,7 @@
           <a:p>
             <a:fld id="{A28E2B26-542C-4B58-9D28-70FF7E9FC909}" type="datetimeFigureOut">
               <a:rPr lang="ko-KR" altLang="en-US" smtClean="0"/>
-              <a:t>2020-10-11</a:t>
+              <a:t>2020-10-12</a:t>
             </a:fld>
             <a:endParaRPr lang="ko-KR" altLang="en-US"/>
           </a:p>
@@ -2075,7 +2075,7 @@
           <a:p>
             <a:fld id="{A28E2B26-542C-4B58-9D28-70FF7E9FC909}" type="datetimeFigureOut">
               <a:rPr lang="ko-KR" altLang="en-US" smtClean="0"/>
-              <a:t>2020-10-11</a:t>
+              <a:t>2020-10-12</a:t>
             </a:fld>
             <a:endParaRPr lang="ko-KR" altLang="en-US"/>
           </a:p>
@@ -2386,7 +2386,7 @@
           <a:p>
             <a:fld id="{A28E2B26-542C-4B58-9D28-70FF7E9FC909}" type="datetimeFigureOut">
               <a:rPr lang="ko-KR" altLang="en-US" smtClean="0"/>
-              <a:t>2020-10-11</a:t>
+              <a:t>2020-10-12</a:t>
             </a:fld>
             <a:endParaRPr lang="ko-KR" altLang="en-US"/>
           </a:p>
@@ -2674,7 +2674,7 @@
           <a:p>
             <a:fld id="{A28E2B26-542C-4B58-9D28-70FF7E9FC909}" type="datetimeFigureOut">
               <a:rPr lang="ko-KR" altLang="en-US" smtClean="0"/>
-              <a:t>2020-10-11</a:t>
+              <a:t>2020-10-12</a:t>
             </a:fld>
             <a:endParaRPr lang="ko-KR" altLang="en-US"/>
           </a:p>
@@ -2915,7 +2915,7 @@
           <a:p>
             <a:fld id="{A28E2B26-542C-4B58-9D28-70FF7E9FC909}" type="datetimeFigureOut">
               <a:rPr lang="ko-KR" altLang="en-US" smtClean="0"/>
-              <a:t>2020-10-11</a:t>
+              <a:t>2020-10-12</a:t>
             </a:fld>
             <a:endParaRPr lang="ko-KR" altLang="en-US"/>
           </a:p>
@@ -3419,9 +3419,10 @@
           <a:lstStyle/>
           <a:p>
             <a:r>
-              <a:rPr lang="ko-KR" altLang="en-US" dirty="0"/>
-              <a:t>이중 강화학습</a:t>
-            </a:r>
+              <a:rPr lang="en-US" altLang="ko-KR" dirty="0"/>
+              <a:t>Selector, allocator</a:t>
+            </a:r>
+            <a:endParaRPr lang="ko-KR" altLang="en-US" dirty="0"/>
           </a:p>
         </p:txBody>
       </p:sp>
@@ -3491,12 +3492,16 @@
               <a:t>는 </a:t>
             </a:r>
             <a:r>
+              <a:rPr lang="en-US" altLang="ko-KR" dirty="0" err="1"/>
+              <a:t>cnn</a:t>
+            </a:r>
+            <a:r>
               <a:rPr lang="en-US" altLang="ko-KR" dirty="0"/>
-              <a:t>DQN</a:t>
+              <a:t> </a:t>
             </a:r>
             <a:r>
               <a:rPr lang="ko-KR" altLang="en-US" dirty="0"/>
-              <a:t>을 사용하며 </a:t>
+              <a:t>회귀를 사용하며 </a:t>
             </a:r>
             <a:r>
               <a:rPr lang="en-US" altLang="ko-KR" dirty="0"/>
@@ -3808,31 +3813,78 @@
           </a:p>
         </p:txBody>
       </p:sp>
-      <p:sp>
-        <p:nvSpPr>
-          <p:cNvPr id="3" name="내용 개체 틀 2">
-            <a:extLst>
-              <a:ext uri="{FF2B5EF4-FFF2-40B4-BE49-F238E27FC236}">
-                <a16:creationId xmlns:a16="http://schemas.microsoft.com/office/drawing/2014/main" id="{83F787A5-80F5-4364-B5A4-B181A6F121A3}"/>
-              </a:ext>
-            </a:extLst>
-          </p:cNvPr>
-          <p:cNvSpPr>
-            <a:spLocks noGrp="1"/>
-          </p:cNvSpPr>
+      <p:pic>
+        <p:nvPicPr>
+          <p:cNvPr id="4" name="그래픽 5">
+            <a:extLst>
+              <a:ext uri="{FF2B5EF4-FFF2-40B4-BE49-F238E27FC236}">
+                <a16:creationId xmlns:a16="http://schemas.microsoft.com/office/drawing/2014/main" id="{02D81917-20DE-4570-95A8-90374214512F}"/>
+              </a:ext>
+            </a:extLst>
+          </p:cNvPr>
+          <p:cNvPicPr>
+            <a:picLocks noGrp="1"/>
+          </p:cNvPicPr>
           <p:nvPr>
             <p:ph idx="1"/>
           </p:nvPr>
-        </p:nvSpPr>
-        <p:spPr/>
-        <p:txBody>
-          <a:bodyPr/>
-          <a:lstStyle/>
-          <a:p>
-            <a:endParaRPr lang="ko-KR" altLang="en-US" dirty="0"/>
-          </a:p>
-        </p:txBody>
-      </p:sp>
+        </p:nvPicPr>
+        <p:blipFill>
+          <a:blip r:embed="rId2">
+            <a:extLst>
+              <a:ext uri="{96DAC541-7B7A-43D3-8B79-37D633B846F1}">
+                <asvg:svgBlip xmlns:asvg="http://schemas.microsoft.com/office/drawing/2016/SVG/main" r:embed="rId3"/>
+              </a:ext>
+            </a:extLst>
+          </a:blip>
+          <a:stretch>
+            <a:fillRect/>
+          </a:stretch>
+        </p:blipFill>
+        <p:spPr>
+          <a:xfrm>
+            <a:off x="1371993" y="2105025"/>
+            <a:ext cx="4448175" cy="2647950"/>
+          </a:xfrm>
+          <a:prstGeom prst="rect">
+            <a:avLst/>
+          </a:prstGeom>
+        </p:spPr>
+      </p:pic>
+      <p:pic>
+        <p:nvPicPr>
+          <p:cNvPr id="5" name="그래픽 8">
+            <a:extLst>
+              <a:ext uri="{FF2B5EF4-FFF2-40B4-BE49-F238E27FC236}">
+                <a16:creationId xmlns:a16="http://schemas.microsoft.com/office/drawing/2014/main" id="{5DD96E30-746C-44CA-A548-055413A8A2CE}"/>
+              </a:ext>
+            </a:extLst>
+          </p:cNvPr>
+          <p:cNvPicPr/>
+          <p:nvPr/>
+        </p:nvPicPr>
+        <p:blipFill>
+          <a:blip r:embed="rId4">
+            <a:extLst>
+              <a:ext uri="{96DAC541-7B7A-43D3-8B79-37D633B846F1}">
+                <asvg:svgBlip xmlns:asvg="http://schemas.microsoft.com/office/drawing/2016/SVG/main" r:embed="rId5"/>
+              </a:ext>
+            </a:extLst>
+          </a:blip>
+          <a:stretch>
+            <a:fillRect/>
+          </a:stretch>
+        </p:blipFill>
+        <p:spPr>
+          <a:xfrm>
+            <a:off x="6371834" y="2468245"/>
+            <a:ext cx="5039360" cy="1921510"/>
+          </a:xfrm>
+          <a:prstGeom prst="rect">
+            <a:avLst/>
+          </a:prstGeom>
+        </p:spPr>
+      </p:pic>
     </p:spTree>
     <p:extLst>
       <p:ext uri="{BB962C8B-B14F-4D97-AF65-F5344CB8AC3E}">

--- a/kospi_portfolio_reinforcement_learning/포트폴리오 강화학습.pptx
+++ b/kospi_portfolio_reinforcement_learning/포트폴리오 강화학습.pptx
@@ -9,9 +9,10 @@
     <p:sldId id="257" r:id="rId3"/>
     <p:sldId id="261" r:id="rId4"/>
     <p:sldId id="258" r:id="rId5"/>
-    <p:sldId id="262" r:id="rId6"/>
-    <p:sldId id="259" r:id="rId7"/>
-    <p:sldId id="260" r:id="rId8"/>
+    <p:sldId id="263" r:id="rId6"/>
+    <p:sldId id="262" r:id="rId7"/>
+    <p:sldId id="264" r:id="rId8"/>
+    <p:sldId id="259" r:id="rId9"/>
   </p:sldIdLst>
   <p:sldSz cx="12192000" cy="6858000"/>
   <p:notesSz cx="6858000" cy="9144000"/>
@@ -265,7 +266,7 @@
           <a:p>
             <a:fld id="{A28E2B26-542C-4B58-9D28-70FF7E9FC909}" type="datetimeFigureOut">
               <a:rPr lang="ko-KR" altLang="en-US" smtClean="0"/>
-              <a:t>2020-10-12</a:t>
+              <a:t>2020-10-14</a:t>
             </a:fld>
             <a:endParaRPr lang="ko-KR" altLang="en-US"/>
           </a:p>
@@ -463,7 +464,7 @@
           <a:p>
             <a:fld id="{A28E2B26-542C-4B58-9D28-70FF7E9FC909}" type="datetimeFigureOut">
               <a:rPr lang="ko-KR" altLang="en-US" smtClean="0"/>
-              <a:t>2020-10-12</a:t>
+              <a:t>2020-10-14</a:t>
             </a:fld>
             <a:endParaRPr lang="ko-KR" altLang="en-US"/>
           </a:p>
@@ -671,7 +672,7 @@
           <a:p>
             <a:fld id="{A28E2B26-542C-4B58-9D28-70FF7E9FC909}" type="datetimeFigureOut">
               <a:rPr lang="ko-KR" altLang="en-US" smtClean="0"/>
-              <a:t>2020-10-12</a:t>
+              <a:t>2020-10-14</a:t>
             </a:fld>
             <a:endParaRPr lang="ko-KR" altLang="en-US"/>
           </a:p>
@@ -869,7 +870,7 @@
           <a:p>
             <a:fld id="{A28E2B26-542C-4B58-9D28-70FF7E9FC909}" type="datetimeFigureOut">
               <a:rPr lang="ko-KR" altLang="en-US" smtClean="0"/>
-              <a:t>2020-10-12</a:t>
+              <a:t>2020-10-14</a:t>
             </a:fld>
             <a:endParaRPr lang="ko-KR" altLang="en-US"/>
           </a:p>
@@ -1144,7 +1145,7 @@
           <a:p>
             <a:fld id="{A28E2B26-542C-4B58-9D28-70FF7E9FC909}" type="datetimeFigureOut">
               <a:rPr lang="ko-KR" altLang="en-US" smtClean="0"/>
-              <a:t>2020-10-12</a:t>
+              <a:t>2020-10-14</a:t>
             </a:fld>
             <a:endParaRPr lang="ko-KR" altLang="en-US"/>
           </a:p>
@@ -1409,7 +1410,7 @@
           <a:p>
             <a:fld id="{A28E2B26-542C-4B58-9D28-70FF7E9FC909}" type="datetimeFigureOut">
               <a:rPr lang="ko-KR" altLang="en-US" smtClean="0"/>
-              <a:t>2020-10-12</a:t>
+              <a:t>2020-10-14</a:t>
             </a:fld>
             <a:endParaRPr lang="ko-KR" altLang="en-US"/>
           </a:p>
@@ -1821,7 +1822,7 @@
           <a:p>
             <a:fld id="{A28E2B26-542C-4B58-9D28-70FF7E9FC909}" type="datetimeFigureOut">
               <a:rPr lang="ko-KR" altLang="en-US" smtClean="0"/>
-              <a:t>2020-10-12</a:t>
+              <a:t>2020-10-14</a:t>
             </a:fld>
             <a:endParaRPr lang="ko-KR" altLang="en-US"/>
           </a:p>
@@ -1962,7 +1963,7 @@
           <a:p>
             <a:fld id="{A28E2B26-542C-4B58-9D28-70FF7E9FC909}" type="datetimeFigureOut">
               <a:rPr lang="ko-KR" altLang="en-US" smtClean="0"/>
-              <a:t>2020-10-12</a:t>
+              <a:t>2020-10-14</a:t>
             </a:fld>
             <a:endParaRPr lang="ko-KR" altLang="en-US"/>
           </a:p>
@@ -2075,7 +2076,7 @@
           <a:p>
             <a:fld id="{A28E2B26-542C-4B58-9D28-70FF7E9FC909}" type="datetimeFigureOut">
               <a:rPr lang="ko-KR" altLang="en-US" smtClean="0"/>
-              <a:t>2020-10-12</a:t>
+              <a:t>2020-10-14</a:t>
             </a:fld>
             <a:endParaRPr lang="ko-KR" altLang="en-US"/>
           </a:p>
@@ -2386,7 +2387,7 @@
           <a:p>
             <a:fld id="{A28E2B26-542C-4B58-9D28-70FF7E9FC909}" type="datetimeFigureOut">
               <a:rPr lang="ko-KR" altLang="en-US" smtClean="0"/>
-              <a:t>2020-10-12</a:t>
+              <a:t>2020-10-14</a:t>
             </a:fld>
             <a:endParaRPr lang="ko-KR" altLang="en-US"/>
           </a:p>
@@ -2674,7 +2675,7 @@
           <a:p>
             <a:fld id="{A28E2B26-542C-4B58-9D28-70FF7E9FC909}" type="datetimeFigureOut">
               <a:rPr lang="ko-KR" altLang="en-US" smtClean="0"/>
-              <a:t>2020-10-12</a:t>
+              <a:t>2020-10-14</a:t>
             </a:fld>
             <a:endParaRPr lang="ko-KR" altLang="en-US"/>
           </a:p>
@@ -2915,7 +2916,7 @@
           <a:p>
             <a:fld id="{A28E2B26-542C-4B58-9D28-70FF7E9FC909}" type="datetimeFigureOut">
               <a:rPr lang="ko-KR" altLang="en-US" smtClean="0"/>
-              <a:t>2020-10-12</a:t>
+              <a:t>2020-10-14</a:t>
             </a:fld>
             <a:endParaRPr lang="ko-KR" altLang="en-US"/>
           </a:p>
@@ -3789,7 +3790,7 @@
           <p:cNvPr id="2" name="제목 1">
             <a:extLst>
               <a:ext uri="{FF2B5EF4-FFF2-40B4-BE49-F238E27FC236}">
-                <a16:creationId xmlns:a16="http://schemas.microsoft.com/office/drawing/2014/main" id="{F243CD34-AFB4-4E34-8DFE-BD6DE221AF46}"/>
+                <a16:creationId xmlns:a16="http://schemas.microsoft.com/office/drawing/2014/main" id="{3B382A1C-7E20-49A4-8D26-EC4D0BCF1BAF}"/>
               </a:ext>
             </a:extLst>
           </p:cNvPr>
@@ -3807,7 +3808,7 @@
           <a:p>
             <a:r>
               <a:rPr lang="en-US" altLang="ko-KR" dirty="0"/>
-              <a:t>Allocator</a:t>
+              <a:t>selector</a:t>
             </a:r>
             <a:endParaRPr lang="ko-KR" altLang="en-US" dirty="0"/>
           </a:p>
@@ -3815,70 +3816,28 @@
       </p:sp>
       <p:pic>
         <p:nvPicPr>
-          <p:cNvPr id="4" name="그래픽 5">
-            <a:extLst>
-              <a:ext uri="{FF2B5EF4-FFF2-40B4-BE49-F238E27FC236}">
-                <a16:creationId xmlns:a16="http://schemas.microsoft.com/office/drawing/2014/main" id="{02D81917-20DE-4570-95A8-90374214512F}"/>
+          <p:cNvPr id="8" name="그림 7">
+            <a:extLst>
+              <a:ext uri="{FF2B5EF4-FFF2-40B4-BE49-F238E27FC236}">
+                <a16:creationId xmlns:a16="http://schemas.microsoft.com/office/drawing/2014/main" id="{B8CCF4E9-7134-4755-90C7-D1F99FAA7F4E}"/>
               </a:ext>
             </a:extLst>
           </p:cNvPr>
           <p:cNvPicPr>
-            <a:picLocks noGrp="1"/>
+            <a:picLocks noChangeAspect="1"/>
           </p:cNvPicPr>
-          <p:nvPr>
-            <p:ph idx="1"/>
-          </p:nvPr>
+          <p:nvPr/>
         </p:nvPicPr>
         <p:blipFill>
-          <a:blip r:embed="rId2">
-            <a:extLst>
-              <a:ext uri="{96DAC541-7B7A-43D3-8B79-37D633B846F1}">
-                <asvg:svgBlip xmlns:asvg="http://schemas.microsoft.com/office/drawing/2016/SVG/main" r:embed="rId3"/>
-              </a:ext>
-            </a:extLst>
-          </a:blip>
+          <a:blip r:embed="rId2"/>
           <a:stretch>
             <a:fillRect/>
           </a:stretch>
         </p:blipFill>
         <p:spPr>
           <a:xfrm>
-            <a:off x="1371993" y="2105025"/>
-            <a:ext cx="4448175" cy="2647950"/>
-          </a:xfrm>
-          <a:prstGeom prst="rect">
-            <a:avLst/>
-          </a:prstGeom>
-        </p:spPr>
-      </p:pic>
-      <p:pic>
-        <p:nvPicPr>
-          <p:cNvPr id="5" name="그래픽 8">
-            <a:extLst>
-              <a:ext uri="{FF2B5EF4-FFF2-40B4-BE49-F238E27FC236}">
-                <a16:creationId xmlns:a16="http://schemas.microsoft.com/office/drawing/2014/main" id="{5DD96E30-746C-44CA-A548-055413A8A2CE}"/>
-              </a:ext>
-            </a:extLst>
-          </p:cNvPr>
-          <p:cNvPicPr/>
-          <p:nvPr/>
-        </p:nvPicPr>
-        <p:blipFill>
-          <a:blip r:embed="rId4">
-            <a:extLst>
-              <a:ext uri="{96DAC541-7B7A-43D3-8B79-37D633B846F1}">
-                <asvg:svgBlip xmlns:asvg="http://schemas.microsoft.com/office/drawing/2016/SVG/main" r:embed="rId5"/>
-              </a:ext>
-            </a:extLst>
-          </a:blip>
-          <a:stretch>
-            <a:fillRect/>
-          </a:stretch>
-        </p:blipFill>
-        <p:spPr>
-          <a:xfrm>
-            <a:off x="6371834" y="2468245"/>
-            <a:ext cx="5039360" cy="1921510"/>
+            <a:off x="1652632" y="1927194"/>
+            <a:ext cx="8657439" cy="4338763"/>
           </a:xfrm>
           <a:prstGeom prst="rect">
             <a:avLst/>
@@ -3888,7 +3847,7 @@
     </p:spTree>
     <p:extLst>
       <p:ext uri="{BB962C8B-B14F-4D97-AF65-F5344CB8AC3E}">
-        <p14:creationId xmlns:p14="http://schemas.microsoft.com/office/powerpoint/2010/main" val="1654417851"/>
+        <p14:creationId xmlns:p14="http://schemas.microsoft.com/office/powerpoint/2010/main" val="3271967548"/>
       </p:ext>
     </p:extLst>
   </p:cSld>
@@ -3920,7 +3879,7 @@
           <p:cNvPr id="2" name="제목 1">
             <a:extLst>
               <a:ext uri="{FF2B5EF4-FFF2-40B4-BE49-F238E27FC236}">
-                <a16:creationId xmlns:a16="http://schemas.microsoft.com/office/drawing/2014/main" id="{616153F2-7BAA-4A94-97A8-7E75928DA27C}"/>
+                <a16:creationId xmlns:a16="http://schemas.microsoft.com/office/drawing/2014/main" id="{F243CD34-AFB4-4E34-8DFE-BD6DE221AF46}"/>
               </a:ext>
             </a:extLst>
           </p:cNvPr>
@@ -3938,43 +3897,7 @@
           <a:p>
             <a:r>
               <a:rPr lang="en-US" altLang="ko-KR" dirty="0"/>
-              <a:t>test</a:t>
-            </a:r>
-            <a:endParaRPr lang="ko-KR" altLang="en-US" dirty="0"/>
-          </a:p>
-        </p:txBody>
-      </p:sp>
-      <p:sp>
-        <p:nvSpPr>
-          <p:cNvPr id="8" name="TextBox 7">
-            <a:extLst>
-              <a:ext uri="{FF2B5EF4-FFF2-40B4-BE49-F238E27FC236}">
-                <a16:creationId xmlns:a16="http://schemas.microsoft.com/office/drawing/2014/main" id="{D3F2D948-D941-4170-BFDD-E6CFB486F802}"/>
-              </a:ext>
-            </a:extLst>
-          </p:cNvPr>
-          <p:cNvSpPr txBox="1"/>
-          <p:nvPr/>
-        </p:nvSpPr>
-        <p:spPr>
-          <a:xfrm>
-            <a:off x="4169327" y="5821960"/>
-            <a:ext cx="2751074" cy="369332"/>
-          </a:xfrm>
-          <a:prstGeom prst="rect">
-            <a:avLst/>
-          </a:prstGeom>
-          <a:noFill/>
-        </p:spPr>
-        <p:txBody>
-          <a:bodyPr wrap="none" rtlCol="0">
-            <a:spAutoFit/>
-          </a:bodyPr>
-          <a:lstStyle/>
-          <a:p>
-            <a:r>
-              <a:rPr lang="en-US" altLang="ko-KR" dirty="0"/>
-              <a:t>2019-11-12~2020-08-28</a:t>
+              <a:t>Allocator</a:t>
             </a:r>
             <a:endParaRPr lang="ko-KR" altLang="en-US" dirty="0"/>
           </a:p>
@@ -3982,23 +3905,25 @@
       </p:sp>
       <p:pic>
         <p:nvPicPr>
-          <p:cNvPr id="13" name="그림 12">
-            <a:extLst>
-              <a:ext uri="{FF2B5EF4-FFF2-40B4-BE49-F238E27FC236}">
-                <a16:creationId xmlns:a16="http://schemas.microsoft.com/office/drawing/2014/main" id="{265F021E-F1AE-49C2-8F78-BC59EB7384AB}"/>
+          <p:cNvPr id="4" name="그래픽 5">
+            <a:extLst>
+              <a:ext uri="{FF2B5EF4-FFF2-40B4-BE49-F238E27FC236}">
+                <a16:creationId xmlns:a16="http://schemas.microsoft.com/office/drawing/2014/main" id="{02D81917-20DE-4570-95A8-90374214512F}"/>
               </a:ext>
             </a:extLst>
           </p:cNvPr>
           <p:cNvPicPr>
-            <a:picLocks noChangeAspect="1"/>
+            <a:picLocks noGrp="1"/>
           </p:cNvPicPr>
-          <p:nvPr/>
+          <p:nvPr>
+            <p:ph idx="1"/>
+          </p:nvPr>
         </p:nvPicPr>
         <p:blipFill>
           <a:blip r:embed="rId2">
             <a:extLst>
-              <a:ext uri="{28A0092B-C50C-407E-A947-70E740481C1C}">
-                <a14:useLocalDpi xmlns:a14="http://schemas.microsoft.com/office/drawing/2010/main" val="0"/>
+              <a:ext uri="{96DAC541-7B7A-43D3-8B79-37D633B846F1}">
+                <asvg:svgBlip xmlns:asvg="http://schemas.microsoft.com/office/drawing/2016/SVG/main" r:embed="rId3"/>
               </a:ext>
             </a:extLst>
           </a:blip>
@@ -4008,8 +3933,42 @@
         </p:blipFill>
         <p:spPr>
           <a:xfrm>
-            <a:off x="2914499" y="2268414"/>
-            <a:ext cx="4903317" cy="3328158"/>
+            <a:off x="918987" y="2700644"/>
+            <a:ext cx="4448175" cy="2647950"/>
+          </a:xfrm>
+          <a:prstGeom prst="rect">
+            <a:avLst/>
+          </a:prstGeom>
+        </p:spPr>
+      </p:pic>
+      <p:pic>
+        <p:nvPicPr>
+          <p:cNvPr id="5" name="그래픽 8">
+            <a:extLst>
+              <a:ext uri="{FF2B5EF4-FFF2-40B4-BE49-F238E27FC236}">
+                <a16:creationId xmlns:a16="http://schemas.microsoft.com/office/drawing/2014/main" id="{5DD96E30-746C-44CA-A548-055413A8A2CE}"/>
+              </a:ext>
+            </a:extLst>
+          </p:cNvPr>
+          <p:cNvPicPr/>
+          <p:nvPr/>
+        </p:nvPicPr>
+        <p:blipFill>
+          <a:blip r:embed="rId4">
+            <a:extLst>
+              <a:ext uri="{96DAC541-7B7A-43D3-8B79-37D633B846F1}">
+                <asvg:svgBlip xmlns:asvg="http://schemas.microsoft.com/office/drawing/2016/SVG/main" r:embed="rId5"/>
+              </a:ext>
+            </a:extLst>
+          </a:blip>
+          <a:stretch>
+            <a:fillRect/>
+          </a:stretch>
+        </p:blipFill>
+        <p:spPr>
+          <a:xfrm>
+            <a:off x="6096000" y="3063864"/>
+            <a:ext cx="5039360" cy="1921510"/>
           </a:xfrm>
           <a:prstGeom prst="rect">
             <a:avLst/>
@@ -4019,7 +3978,7 @@
     </p:spTree>
     <p:extLst>
       <p:ext uri="{BB962C8B-B14F-4D97-AF65-F5344CB8AC3E}">
-        <p14:creationId xmlns:p14="http://schemas.microsoft.com/office/powerpoint/2010/main" val="893558896"/>
+        <p14:creationId xmlns:p14="http://schemas.microsoft.com/office/powerpoint/2010/main" val="1654417851"/>
       </p:ext>
     </p:extLst>
   </p:cSld>
@@ -4046,10 +4005,198 @@
           <a:chExt cx="0" cy="0"/>
         </a:xfrm>
       </p:grpSpPr>
+      <p:sp>
+        <p:nvSpPr>
+          <p:cNvPr id="2" name="제목 1">
+            <a:extLst>
+              <a:ext uri="{FF2B5EF4-FFF2-40B4-BE49-F238E27FC236}">
+                <a16:creationId xmlns:a16="http://schemas.microsoft.com/office/drawing/2014/main" id="{15D3395F-0C11-4A6B-B996-940DA5F1AA6F}"/>
+              </a:ext>
+            </a:extLst>
+          </p:cNvPr>
+          <p:cNvSpPr>
+            <a:spLocks noGrp="1"/>
+          </p:cNvSpPr>
+          <p:nvPr>
+            <p:ph type="title"/>
+          </p:nvPr>
+        </p:nvSpPr>
+        <p:spPr/>
+        <p:txBody>
+          <a:bodyPr/>
+          <a:lstStyle/>
+          <a:p>
+            <a:endParaRPr lang="ko-KR" altLang="en-US"/>
+          </a:p>
+        </p:txBody>
+      </p:sp>
+      <p:pic>
+        <p:nvPicPr>
+          <p:cNvPr id="5" name="내용 개체 틀 4">
+            <a:extLst>
+              <a:ext uri="{FF2B5EF4-FFF2-40B4-BE49-F238E27FC236}">
+                <a16:creationId xmlns:a16="http://schemas.microsoft.com/office/drawing/2014/main" id="{438345ED-F78A-4564-8975-2D4FE9BBDD61}"/>
+              </a:ext>
+            </a:extLst>
+          </p:cNvPr>
+          <p:cNvPicPr>
+            <a:picLocks noGrp="1" noChangeAspect="1"/>
+          </p:cNvPicPr>
+          <p:nvPr>
+            <p:ph idx="1"/>
+          </p:nvPr>
+        </p:nvPicPr>
+        <p:blipFill>
+          <a:blip r:embed="rId2"/>
+          <a:stretch>
+            <a:fillRect/>
+          </a:stretch>
+        </p:blipFill>
+        <p:spPr>
+          <a:xfrm>
+            <a:off x="2094823" y="1934682"/>
+            <a:ext cx="8002353" cy="4351338"/>
+          </a:xfrm>
+          <a:prstGeom prst="rect">
+            <a:avLst/>
+          </a:prstGeom>
+        </p:spPr>
+      </p:pic>
     </p:spTree>
     <p:extLst>
       <p:ext uri="{BB962C8B-B14F-4D97-AF65-F5344CB8AC3E}">
-        <p14:creationId xmlns:p14="http://schemas.microsoft.com/office/powerpoint/2010/main" val="3892848209"/>
+        <p14:creationId xmlns:p14="http://schemas.microsoft.com/office/powerpoint/2010/main" val="3823574420"/>
+      </p:ext>
+    </p:extLst>
+  </p:cSld>
+  <p:clrMapOvr>
+    <a:masterClrMapping/>
+  </p:clrMapOvr>
+</p:sld>
+</file>
+
+<file path=ppt/slides/slide8.xml><?xml version="1.0" encoding="utf-8"?>
+<p:sld xmlns:a="http://schemas.openxmlformats.org/drawingml/2006/main" xmlns:r="http://schemas.openxmlformats.org/officeDocument/2006/relationships" xmlns:p="http://schemas.openxmlformats.org/presentationml/2006/main">
+  <p:cSld>
+    <p:spTree>
+      <p:nvGrpSpPr>
+        <p:cNvPr id="1" name=""/>
+        <p:cNvGrpSpPr/>
+        <p:nvPr/>
+      </p:nvGrpSpPr>
+      <p:grpSpPr>
+        <a:xfrm>
+          <a:off x="0" y="0"/>
+          <a:ext cx="0" cy="0"/>
+          <a:chOff x="0" y="0"/>
+          <a:chExt cx="0" cy="0"/>
+        </a:xfrm>
+      </p:grpSpPr>
+      <p:sp>
+        <p:nvSpPr>
+          <p:cNvPr id="2" name="제목 1">
+            <a:extLst>
+              <a:ext uri="{FF2B5EF4-FFF2-40B4-BE49-F238E27FC236}">
+                <a16:creationId xmlns:a16="http://schemas.microsoft.com/office/drawing/2014/main" id="{616153F2-7BAA-4A94-97A8-7E75928DA27C}"/>
+              </a:ext>
+            </a:extLst>
+          </p:cNvPr>
+          <p:cNvSpPr>
+            <a:spLocks noGrp="1"/>
+          </p:cNvSpPr>
+          <p:nvPr>
+            <p:ph type="title"/>
+          </p:nvPr>
+        </p:nvSpPr>
+        <p:spPr/>
+        <p:txBody>
+          <a:bodyPr/>
+          <a:lstStyle/>
+          <a:p>
+            <a:r>
+              <a:rPr lang="en-US" altLang="ko-KR" dirty="0"/>
+              <a:t>test</a:t>
+            </a:r>
+            <a:endParaRPr lang="ko-KR" altLang="en-US" dirty="0"/>
+          </a:p>
+        </p:txBody>
+      </p:sp>
+      <p:sp>
+        <p:nvSpPr>
+          <p:cNvPr id="8" name="TextBox 7">
+            <a:extLst>
+              <a:ext uri="{FF2B5EF4-FFF2-40B4-BE49-F238E27FC236}">
+                <a16:creationId xmlns:a16="http://schemas.microsoft.com/office/drawing/2014/main" id="{D3F2D948-D941-4170-BFDD-E6CFB486F802}"/>
+              </a:ext>
+            </a:extLst>
+          </p:cNvPr>
+          <p:cNvSpPr txBox="1"/>
+          <p:nvPr/>
+        </p:nvSpPr>
+        <p:spPr>
+          <a:xfrm>
+            <a:off x="4169327" y="5821960"/>
+            <a:ext cx="2751074" cy="369332"/>
+          </a:xfrm>
+          <a:prstGeom prst="rect">
+            <a:avLst/>
+          </a:prstGeom>
+          <a:noFill/>
+        </p:spPr>
+        <p:txBody>
+          <a:bodyPr wrap="none" rtlCol="0">
+            <a:spAutoFit/>
+          </a:bodyPr>
+          <a:lstStyle/>
+          <a:p>
+            <a:r>
+              <a:rPr lang="en-US" altLang="ko-KR" dirty="0"/>
+              <a:t>2019-11-12~2020-08-28</a:t>
+            </a:r>
+            <a:endParaRPr lang="ko-KR" altLang="en-US" dirty="0"/>
+          </a:p>
+        </p:txBody>
+      </p:sp>
+      <p:pic>
+        <p:nvPicPr>
+          <p:cNvPr id="13" name="그림 12">
+            <a:extLst>
+              <a:ext uri="{FF2B5EF4-FFF2-40B4-BE49-F238E27FC236}">
+                <a16:creationId xmlns:a16="http://schemas.microsoft.com/office/drawing/2014/main" id="{265F021E-F1AE-49C2-8F78-BC59EB7384AB}"/>
+              </a:ext>
+            </a:extLst>
+          </p:cNvPr>
+          <p:cNvPicPr>
+            <a:picLocks noChangeAspect="1"/>
+          </p:cNvPicPr>
+          <p:nvPr/>
+        </p:nvPicPr>
+        <p:blipFill>
+          <a:blip r:embed="rId2">
+            <a:extLst>
+              <a:ext uri="{28A0092B-C50C-407E-A947-70E740481C1C}">
+                <a14:useLocalDpi xmlns:a14="http://schemas.microsoft.com/office/drawing/2010/main" val="0"/>
+              </a:ext>
+            </a:extLst>
+          </a:blip>
+          <a:stretch>
+            <a:fillRect/>
+          </a:stretch>
+        </p:blipFill>
+        <p:spPr>
+          <a:xfrm>
+            <a:off x="2914499" y="2268414"/>
+            <a:ext cx="4903317" cy="3328158"/>
+          </a:xfrm>
+          <a:prstGeom prst="rect">
+            <a:avLst/>
+          </a:prstGeom>
+        </p:spPr>
+      </p:pic>
+    </p:spTree>
+    <p:extLst>
+      <p:ext uri="{BB962C8B-B14F-4D97-AF65-F5344CB8AC3E}">
+        <p14:creationId xmlns:p14="http://schemas.microsoft.com/office/powerpoint/2010/main" val="893558896"/>
       </p:ext>
     </p:extLst>
   </p:cSld>

--- a/kospi_portfolio_reinforcement_learning/포트폴리오 강화학습.pptx
+++ b/kospi_portfolio_reinforcement_learning/포트폴리오 강화학습.pptx
@@ -7,11 +7,11 @@
   <p:sldIdLst>
     <p:sldId id="256" r:id="rId2"/>
     <p:sldId id="257" r:id="rId3"/>
-    <p:sldId id="261" r:id="rId4"/>
-    <p:sldId id="258" r:id="rId5"/>
+    <p:sldId id="264" r:id="rId4"/>
+    <p:sldId id="261" r:id="rId5"/>
     <p:sldId id="263" r:id="rId6"/>
-    <p:sldId id="262" r:id="rId7"/>
-    <p:sldId id="264" r:id="rId8"/>
+    <p:sldId id="258" r:id="rId7"/>
+    <p:sldId id="262" r:id="rId8"/>
     <p:sldId id="259" r:id="rId9"/>
   </p:sldIdLst>
   <p:sldSz cx="12192000" cy="6858000"/>
@@ -3358,6 +3358,10 @@
               <a:rPr lang="ko-KR" altLang="en-US" dirty="0"/>
               <a:t>강화학습</a:t>
             </a:r>
+            <a:r>
+              <a:rPr lang="en-US" altLang="ko-KR" dirty="0"/>
+              <a:t/>
+            </a:r>
             <a:br>
               <a:rPr lang="en-US" altLang="ko-KR" dirty="0"/>
             </a:br>
@@ -3565,7 +3569,7 @@
           <p:cNvPr id="2" name="제목 1">
             <a:extLst>
               <a:ext uri="{FF2B5EF4-FFF2-40B4-BE49-F238E27FC236}">
-                <a16:creationId xmlns:a16="http://schemas.microsoft.com/office/drawing/2014/main" id="{066A3BAE-D10E-479C-8CE1-A19506588413}"/>
+                <a16:creationId xmlns:a16="http://schemas.microsoft.com/office/drawing/2014/main" id="{15D3395F-0C11-4A6B-B996-940DA5F1AA6F}"/>
               </a:ext>
             </a:extLst>
           </p:cNvPr>
@@ -3582,90 +3586,49 @@
           <a:lstStyle/>
           <a:p>
             <a:r>
-              <a:rPr lang="ko-KR" altLang="en-US" dirty="0"/>
-              <a:t>구조</a:t>
-            </a:r>
-          </a:p>
-        </p:txBody>
-      </p:sp>
-      <p:sp>
-        <p:nvSpPr>
-          <p:cNvPr id="3" name="내용 개체 틀 2">
-            <a:extLst>
-              <a:ext uri="{FF2B5EF4-FFF2-40B4-BE49-F238E27FC236}">
-                <a16:creationId xmlns:a16="http://schemas.microsoft.com/office/drawing/2014/main" id="{37BC83F6-63B5-4CB9-9B71-7A093039B675}"/>
-              </a:ext>
-            </a:extLst>
-          </p:cNvPr>
-          <p:cNvSpPr>
-            <a:spLocks noGrp="1"/>
-          </p:cNvSpPr>
+              <a:rPr lang="en-US" altLang="ko-KR" dirty="0" smtClean="0"/>
+              <a:t>structure</a:t>
+            </a:r>
+            <a:endParaRPr lang="ko-KR" altLang="en-US" dirty="0"/>
+          </a:p>
+        </p:txBody>
+      </p:sp>
+      <p:pic>
+        <p:nvPicPr>
+          <p:cNvPr id="5" name="내용 개체 틀 4">
+            <a:extLst>
+              <a:ext uri="{FF2B5EF4-FFF2-40B4-BE49-F238E27FC236}">
+                <a16:creationId xmlns:a16="http://schemas.microsoft.com/office/drawing/2014/main" id="{438345ED-F78A-4564-8975-2D4FE9BBDD61}"/>
+              </a:ext>
+            </a:extLst>
+          </p:cNvPr>
+          <p:cNvPicPr>
+            <a:picLocks noGrp="1" noChangeAspect="1"/>
+          </p:cNvPicPr>
           <p:nvPr>
             <p:ph idx="1"/>
           </p:nvPr>
-        </p:nvSpPr>
-        <p:spPr/>
-        <p:txBody>
-          <a:bodyPr/>
-          <a:lstStyle/>
-          <a:p>
-            <a:r>
-              <a:rPr lang="ko-KR" altLang="en-US" dirty="0"/>
-              <a:t>시점 </a:t>
-            </a:r>
-            <a:r>
-              <a:rPr lang="en-US" altLang="ko-KR" dirty="0"/>
-              <a:t>t</a:t>
-            </a:r>
-            <a:r>
-              <a:rPr lang="ko-KR" altLang="en-US" dirty="0"/>
-              <a:t>에서 데이터가 충분한 종목을 분류하고 주가 데이터 </a:t>
-            </a:r>
-            <a:r>
-              <a:rPr lang="en-US" altLang="ko-KR" dirty="0"/>
-              <a:t>(50,4)</a:t>
-            </a:r>
-            <a:r>
-              <a:rPr lang="ko-KR" altLang="en-US" dirty="0"/>
-              <a:t>크기의 데이터를 수집</a:t>
-            </a:r>
-            <a:endParaRPr lang="en-US" altLang="ko-KR" dirty="0"/>
-          </a:p>
-          <a:p>
-            <a:endParaRPr lang="en-US" altLang="ko-KR" dirty="0"/>
-          </a:p>
-          <a:p>
-            <a:r>
-              <a:rPr lang="en-US" altLang="ko-KR" dirty="0"/>
-              <a:t>(50,4)</a:t>
-            </a:r>
-            <a:r>
-              <a:rPr lang="ko-KR" altLang="en-US" dirty="0"/>
-              <a:t>크기의 데이터를 </a:t>
-            </a:r>
-            <a:r>
-              <a:rPr lang="ko-KR" altLang="en-US" dirty="0" err="1"/>
-              <a:t>컨볼루션</a:t>
-            </a:r>
-            <a:r>
-              <a:rPr lang="ko-KR" altLang="en-US" dirty="0"/>
-              <a:t> 신경망을 가진 </a:t>
-            </a:r>
-            <a:r>
-              <a:rPr lang="en-US" altLang="ko-KR" dirty="0"/>
-              <a:t>selector </a:t>
-            </a:r>
-            <a:r>
-              <a:rPr lang="ko-KR" altLang="en-US" dirty="0"/>
-              <a:t>네트워크를 통해 기대가치 추정</a:t>
-            </a:r>
-          </a:p>
-        </p:txBody>
-      </p:sp>
+        </p:nvPicPr>
+        <p:blipFill>
+          <a:blip r:embed="rId2"/>
+          <a:stretch>
+            <a:fillRect/>
+          </a:stretch>
+        </p:blipFill>
+        <p:spPr>
+          <a:xfrm>
+            <a:off x="2094823" y="1934682"/>
+            <a:ext cx="8002353" cy="4351338"/>
+          </a:xfrm>
+          <a:prstGeom prst="rect">
+            <a:avLst/>
+          </a:prstGeom>
+        </p:spPr>
+      </p:pic>
     </p:spTree>
     <p:extLst>
       <p:ext uri="{BB962C8B-B14F-4D97-AF65-F5344CB8AC3E}">
-        <p14:creationId xmlns:p14="http://schemas.microsoft.com/office/powerpoint/2010/main" val="1989160873"/>
+        <p14:creationId xmlns:p14="http://schemas.microsoft.com/office/powerpoint/2010/main" val="3823574420"/>
       </p:ext>
     </p:extLst>
   </p:cSld>
@@ -3697,7 +3660,7 @@
           <p:cNvPr id="2" name="제목 1">
             <a:extLst>
               <a:ext uri="{FF2B5EF4-FFF2-40B4-BE49-F238E27FC236}">
-                <a16:creationId xmlns:a16="http://schemas.microsoft.com/office/drawing/2014/main" id="{B2537AB6-D87D-43F5-937A-9B5A4C285678}"/>
+                <a16:creationId xmlns:a16="http://schemas.microsoft.com/office/drawing/2014/main" id="{066A3BAE-D10E-479C-8CE1-A19506588413}"/>
               </a:ext>
             </a:extLst>
           </p:cNvPr>
@@ -3714,51 +3677,147 @@
           <a:lstStyle/>
           <a:p>
             <a:r>
+              <a:rPr lang="en-US" altLang="ko-KR" dirty="0" smtClean="0"/>
+              <a:t>selector</a:t>
+            </a:r>
+            <a:endParaRPr lang="ko-KR" altLang="en-US" dirty="0"/>
+          </a:p>
+        </p:txBody>
+      </p:sp>
+      <p:sp>
+        <p:nvSpPr>
+          <p:cNvPr id="3" name="내용 개체 틀 2">
+            <a:extLst>
+              <a:ext uri="{FF2B5EF4-FFF2-40B4-BE49-F238E27FC236}">
+                <a16:creationId xmlns:a16="http://schemas.microsoft.com/office/drawing/2014/main" id="{37BC83F6-63B5-4CB9-9B71-7A093039B675}"/>
+              </a:ext>
+            </a:extLst>
+          </p:cNvPr>
+          <p:cNvSpPr>
+            <a:spLocks noGrp="1"/>
+          </p:cNvSpPr>
+          <p:nvPr>
+            <p:ph idx="1"/>
+          </p:nvPr>
+        </p:nvSpPr>
+        <p:spPr/>
+        <p:txBody>
+          <a:bodyPr/>
+          <a:lstStyle/>
+          <a:p>
+            <a:r>
+              <a:rPr lang="ko-KR" altLang="en-US" dirty="0"/>
+              <a:t>시점 </a:t>
+            </a:r>
+            <a:r>
               <a:rPr lang="en-US" altLang="ko-KR" dirty="0"/>
-              <a:t>Selector</a:t>
-            </a:r>
-            <a:endParaRPr lang="ko-KR" altLang="en-US" dirty="0"/>
-          </a:p>
-        </p:txBody>
-      </p:sp>
-      <p:pic>
-        <p:nvPicPr>
-          <p:cNvPr id="57" name="그래픽 1">
-            <a:extLst>
-              <a:ext uri="{FF2B5EF4-FFF2-40B4-BE49-F238E27FC236}">
-                <a16:creationId xmlns:a16="http://schemas.microsoft.com/office/drawing/2014/main" id="{D31C9AE5-2249-4507-A73A-1BE1B43FF678}"/>
-              </a:ext>
-            </a:extLst>
-          </p:cNvPr>
-          <p:cNvPicPr/>
-          <p:nvPr/>
-        </p:nvPicPr>
-        <p:blipFill>
-          <a:blip r:embed="rId2">
-            <a:extLst>
-              <a:ext uri="{96DAC541-7B7A-43D3-8B79-37D633B846F1}">
-                <asvg:svgBlip xmlns:asvg="http://schemas.microsoft.com/office/drawing/2016/SVG/main" r:embed="rId3"/>
-              </a:ext>
-            </a:extLst>
-          </a:blip>
-          <a:stretch>
-            <a:fillRect/>
-          </a:stretch>
-        </p:blipFill>
-        <p:spPr>
-          <a:xfrm>
-            <a:off x="2533054" y="1740134"/>
-            <a:ext cx="7125892" cy="3518068"/>
-          </a:xfrm>
-          <a:prstGeom prst="rect">
-            <a:avLst/>
-          </a:prstGeom>
-        </p:spPr>
-      </p:pic>
+              <a:t>t</a:t>
+            </a:r>
+            <a:r>
+              <a:rPr lang="ko-KR" altLang="en-US" dirty="0"/>
+              <a:t>에서 데이터가 충분한 종목을 분류하고 주가 데이터 </a:t>
+            </a:r>
+            <a:r>
+              <a:rPr lang="en-US" altLang="ko-KR" dirty="0"/>
+              <a:t>(50,4)</a:t>
+            </a:r>
+            <a:r>
+              <a:rPr lang="ko-KR" altLang="en-US" dirty="0"/>
+              <a:t>크기의 데이터를 </a:t>
+            </a:r>
+            <a:r>
+              <a:rPr lang="ko-KR" altLang="en-US" dirty="0" smtClean="0"/>
+              <a:t>수집</a:t>
+            </a:r>
+            <a:endParaRPr lang="en-US" altLang="ko-KR" dirty="0"/>
+          </a:p>
+          <a:p>
+            <a:pPr lvl="1"/>
+            <a:r>
+              <a:rPr lang="en-US" altLang="ko-KR" dirty="0" smtClean="0"/>
+              <a:t>T=0</a:t>
+            </a:r>
+            <a:r>
+              <a:rPr lang="ko-KR" altLang="en-US" dirty="0" smtClean="0"/>
+              <a:t>일 때에는 가격 데이터가 </a:t>
+            </a:r>
+            <a:r>
+              <a:rPr lang="en-US" altLang="ko-KR" dirty="0" smtClean="0"/>
+              <a:t>1220</a:t>
+            </a:r>
+            <a:r>
+              <a:rPr lang="ko-KR" altLang="en-US" dirty="0" smtClean="0"/>
+              <a:t>일 전부가 있는 데이터만 </a:t>
+            </a:r>
+            <a:r>
+              <a:rPr lang="en-US" altLang="ko-KR" dirty="0" smtClean="0"/>
+              <a:t>selector</a:t>
+            </a:r>
+            <a:r>
+              <a:rPr lang="ko-KR" altLang="en-US" dirty="0" smtClean="0"/>
+              <a:t>에 입력되며 </a:t>
+            </a:r>
+            <a:r>
+              <a:rPr lang="en-US" altLang="ko-KR" dirty="0" smtClean="0"/>
+              <a:t>t = 100</a:t>
+            </a:r>
+            <a:r>
+              <a:rPr lang="ko-KR" altLang="en-US" dirty="0" smtClean="0"/>
+              <a:t>일 때에는 데이터의 길이가 </a:t>
+            </a:r>
+            <a:r>
+              <a:rPr lang="en-US" altLang="ko-KR" dirty="0" smtClean="0"/>
+              <a:t>1120</a:t>
+            </a:r>
+            <a:r>
+              <a:rPr lang="ko-KR" altLang="en-US" dirty="0" smtClean="0"/>
+              <a:t>이상일 때 </a:t>
+            </a:r>
+            <a:r>
+              <a:rPr lang="en-US" altLang="ko-KR" dirty="0" smtClean="0"/>
+              <a:t>selector</a:t>
+            </a:r>
+            <a:r>
+              <a:rPr lang="ko-KR" altLang="en-US" dirty="0" smtClean="0"/>
+              <a:t>에 입력됨</a:t>
+            </a:r>
+            <a:endParaRPr lang="en-US" altLang="ko-KR" dirty="0"/>
+          </a:p>
+          <a:p>
+            <a:endParaRPr lang="en-US" altLang="ko-KR" dirty="0"/>
+          </a:p>
+          <a:p>
+            <a:r>
+              <a:rPr lang="en-US" altLang="ko-KR" dirty="0"/>
+              <a:t>(50,4)</a:t>
+            </a:r>
+            <a:r>
+              <a:rPr lang="ko-KR" altLang="en-US" dirty="0"/>
+              <a:t>크기의 데이터를 </a:t>
+            </a:r>
+            <a:r>
+              <a:rPr lang="ko-KR" altLang="en-US" dirty="0" err="1"/>
+              <a:t>컨볼루션</a:t>
+            </a:r>
+            <a:r>
+              <a:rPr lang="ko-KR" altLang="en-US" dirty="0"/>
+              <a:t> 신경망을 가진 </a:t>
+            </a:r>
+            <a:r>
+              <a:rPr lang="en-US" altLang="ko-KR" dirty="0"/>
+              <a:t>selector </a:t>
+            </a:r>
+            <a:r>
+              <a:rPr lang="ko-KR" altLang="en-US" dirty="0"/>
+              <a:t>네트워크를 통해 기대가치 추정</a:t>
+            </a:r>
+          </a:p>
+        </p:txBody>
+      </p:sp>
     </p:spTree>
     <p:extLst>
       <p:ext uri="{BB962C8B-B14F-4D97-AF65-F5344CB8AC3E}">
-        <p14:creationId xmlns:p14="http://schemas.microsoft.com/office/powerpoint/2010/main" val="3122086356"/>
+        <p14:creationId xmlns:p14="http://schemas.microsoft.com/office/powerpoint/2010/main" val="1989160873"/>
       </p:ext>
     </p:extLst>
   </p:cSld>
@@ -3879,7 +3938,7 @@
           <p:cNvPr id="2" name="제목 1">
             <a:extLst>
               <a:ext uri="{FF2B5EF4-FFF2-40B4-BE49-F238E27FC236}">
-                <a16:creationId xmlns:a16="http://schemas.microsoft.com/office/drawing/2014/main" id="{F243CD34-AFB4-4E34-8DFE-BD6DE221AF46}"/>
+                <a16:creationId xmlns:a16="http://schemas.microsoft.com/office/drawing/2014/main" id="{B2537AB6-D87D-43F5-937A-9B5A4C285678}"/>
               </a:ext>
             </a:extLst>
           </p:cNvPr>
@@ -3897,7 +3956,7 @@
           <a:p>
             <a:r>
               <a:rPr lang="en-US" altLang="ko-KR" dirty="0"/>
-              <a:t>Allocator</a:t>
+              <a:t>Selector</a:t>
             </a:r>
             <a:endParaRPr lang="ko-KR" altLang="en-US" dirty="0"/>
           </a:p>
@@ -3905,25 +3964,21 @@
       </p:sp>
       <p:pic>
         <p:nvPicPr>
-          <p:cNvPr id="4" name="그래픽 5">
-            <a:extLst>
-              <a:ext uri="{FF2B5EF4-FFF2-40B4-BE49-F238E27FC236}">
-                <a16:creationId xmlns:a16="http://schemas.microsoft.com/office/drawing/2014/main" id="{02D81917-20DE-4570-95A8-90374214512F}"/>
-              </a:ext>
-            </a:extLst>
-          </p:cNvPr>
-          <p:cNvPicPr>
-            <a:picLocks noGrp="1"/>
-          </p:cNvPicPr>
-          <p:nvPr>
-            <p:ph idx="1"/>
-          </p:nvPr>
+          <p:cNvPr id="57" name="그래픽 1">
+            <a:extLst>
+              <a:ext uri="{FF2B5EF4-FFF2-40B4-BE49-F238E27FC236}">
+                <a16:creationId xmlns:a16="http://schemas.microsoft.com/office/drawing/2014/main" id="{D31C9AE5-2249-4507-A73A-1BE1B43FF678}"/>
+              </a:ext>
+            </a:extLst>
+          </p:cNvPr>
+          <p:cNvPicPr/>
+          <p:nvPr/>
         </p:nvPicPr>
         <p:blipFill>
           <a:blip r:embed="rId2">
             <a:extLst>
               <a:ext uri="{96DAC541-7B7A-43D3-8B79-37D633B846F1}">
-                <asvg:svgBlip xmlns:asvg="http://schemas.microsoft.com/office/drawing/2016/SVG/main" r:embed="rId3"/>
+                <asvg:svgBlip xmlns:asvg="http://schemas.microsoft.com/office/drawing/2016/SVG/main" xmlns="" r:embed="rId3"/>
               </a:ext>
             </a:extLst>
           </a:blip>
@@ -3933,52 +3988,251 @@
         </p:blipFill>
         <p:spPr>
           <a:xfrm>
-            <a:off x="918987" y="2700644"/>
-            <a:ext cx="4448175" cy="2647950"/>
+            <a:off x="4038004" y="1949684"/>
+            <a:ext cx="7125892" cy="3518068"/>
           </a:xfrm>
           <a:prstGeom prst="rect">
             <a:avLst/>
           </a:prstGeom>
         </p:spPr>
       </p:pic>
-      <p:pic>
-        <p:nvPicPr>
-          <p:cNvPr id="5" name="그래픽 8">
-            <a:extLst>
-              <a:ext uri="{FF2B5EF4-FFF2-40B4-BE49-F238E27FC236}">
-                <a16:creationId xmlns:a16="http://schemas.microsoft.com/office/drawing/2014/main" id="{5DD96E30-746C-44CA-A548-055413A8A2CE}"/>
-              </a:ext>
-            </a:extLst>
-          </p:cNvPr>
-          <p:cNvPicPr/>
-          <p:nvPr/>
-        </p:nvPicPr>
-        <p:blipFill>
-          <a:blip r:embed="rId4">
-            <a:extLst>
-              <a:ext uri="{96DAC541-7B7A-43D3-8B79-37D633B846F1}">
-                <asvg:svgBlip xmlns:asvg="http://schemas.microsoft.com/office/drawing/2016/SVG/main" r:embed="rId5"/>
-              </a:ext>
-            </a:extLst>
-          </a:blip>
-          <a:stretch>
-            <a:fillRect/>
-          </a:stretch>
-        </p:blipFill>
-        <p:spPr>
-          <a:xfrm>
-            <a:off x="6096000" y="3063864"/>
-            <a:ext cx="5039360" cy="1921510"/>
-          </a:xfrm>
-          <a:prstGeom prst="rect">
-            <a:avLst/>
-          </a:prstGeom>
-        </p:spPr>
-      </p:pic>
+      <mc:AlternateContent xmlns:mc="http://schemas.openxmlformats.org/markup-compatibility/2006">
+        <mc:Choice xmlns:a14="http://schemas.microsoft.com/office/drawing/2010/main" Requires="a14">
+          <p:sp>
+            <p:nvSpPr>
+              <p:cNvPr id="3" name="TextBox 2"/>
+              <p:cNvSpPr txBox="1"/>
+              <p:nvPr/>
+            </p:nvSpPr>
+            <p:spPr>
+              <a:xfrm>
+                <a:off x="552449" y="2238375"/>
+                <a:ext cx="3381375" cy="3989041"/>
+              </a:xfrm>
+              <a:prstGeom prst="rect">
+                <a:avLst/>
+              </a:prstGeom>
+              <a:noFill/>
+            </p:spPr>
+            <p:txBody>
+              <a:bodyPr wrap="square" rtlCol="0">
+                <a:spAutoFit/>
+              </a:bodyPr>
+              <a:lstStyle/>
+              <a:p>
+                <a:r>
+                  <a:rPr lang="en-US" altLang="ko-KR" dirty="0" smtClean="0"/>
+                  <a:t>Input : (BATCH, 50, 4, 1)</a:t>
+                </a:r>
+              </a:p>
+              <a:p>
+                <a:endParaRPr lang="en-US" altLang="ko-KR" dirty="0" smtClean="0"/>
+              </a:p>
+              <a:p>
+                <a:r>
+                  <a:rPr lang="en-US" altLang="ko-KR" dirty="0" smtClean="0"/>
+                  <a:t>Conv Filter : (3,4)</a:t>
+                </a:r>
+              </a:p>
+              <a:p>
+                <a:endParaRPr lang="en-US" altLang="ko-KR" dirty="0" smtClean="0"/>
+              </a:p>
+              <a:p>
+                <a:r>
+                  <a:rPr lang="en-US" altLang="ko-KR" dirty="0" smtClean="0"/>
+                  <a:t>Conv Layer : (48, 1)</a:t>
+                </a:r>
+              </a:p>
+              <a:p>
+                <a:endParaRPr lang="en-US" altLang="ko-KR" dirty="0" smtClean="0"/>
+              </a:p>
+              <a:p>
+                <a:r>
+                  <a:rPr lang="en-US" altLang="ko-KR" dirty="0" smtClean="0"/>
+                  <a:t>Hidden layer : 32</a:t>
+                </a:r>
+              </a:p>
+              <a:p>
+                <a:endParaRPr lang="en-US" altLang="ko-KR" dirty="0" smtClean="0"/>
+              </a:p>
+              <a:p>
+                <a:r>
+                  <a:rPr lang="en-US" altLang="ko-KR" dirty="0" smtClean="0"/>
+                  <a:t>Output : (BATCH,1) </a:t>
+                </a:r>
+                <a:endParaRPr lang="en-US" altLang="ko-KR" i="1" dirty="0" smtClean="0">
+                  <a:latin typeface="Cambria Math" panose="02040503050406030204" pitchFamily="18" charset="0"/>
+                </a:endParaRPr>
+              </a:p>
+              <a:p>
+                <a:endParaRPr lang="en-US" altLang="ko-KR" i="1" dirty="0">
+                  <a:latin typeface="Cambria Math" panose="02040503050406030204" pitchFamily="18" charset="0"/>
+                </a:endParaRPr>
+              </a:p>
+              <a:p>
+                <a:pPr/>
+                <a14:m>
+                  <m:oMathPara xmlns:m="http://schemas.openxmlformats.org/officeDocument/2006/math">
+                    <m:oMathParaPr>
+                      <m:jc m:val="left"/>
+                    </m:oMathParaPr>
+                    <m:oMath xmlns:m="http://schemas.openxmlformats.org/officeDocument/2006/math">
+                      <m:r>
+                        <a:rPr lang="en-US" altLang="ko-KR" b="0" i="1" smtClean="0">
+                          <a:latin typeface="Cambria Math" panose="02040503050406030204" pitchFamily="18" charset="0"/>
+                        </a:rPr>
+                        <m:t>𝑦</m:t>
+                      </m:r>
+                      <m:r>
+                        <a:rPr lang="en-US" altLang="ko-KR" b="0" i="1" smtClean="0">
+                          <a:latin typeface="Cambria Math" panose="02040503050406030204" pitchFamily="18" charset="0"/>
+                        </a:rPr>
+                        <m:t>= </m:t>
+                      </m:r>
+                      <m:f>
+                        <m:fPr>
+                          <m:ctrlPr>
+                            <a:rPr lang="en-US" altLang="ko-KR" i="1">
+                              <a:latin typeface="Cambria Math" panose="02040503050406030204" pitchFamily="18" charset="0"/>
+                            </a:rPr>
+                          </m:ctrlPr>
+                        </m:fPr>
+                        <m:num>
+                          <m:r>
+                            <a:rPr lang="en-US" altLang="ko-KR" i="1">
+                              <a:latin typeface="Cambria Math" panose="02040503050406030204" pitchFamily="18" charset="0"/>
+                            </a:rPr>
+                            <m:t>𝑐𝑙𝑜𝑠</m:t>
+                          </m:r>
+                          <m:sSub>
+                            <m:sSubPr>
+                              <m:ctrlPr>
+                                <a:rPr lang="en-US" altLang="ko-KR" i="1">
+                                  <a:latin typeface="Cambria Math" panose="02040503050406030204" pitchFamily="18" charset="0"/>
+                                </a:rPr>
+                              </m:ctrlPr>
+                            </m:sSubPr>
+                            <m:e>
+                              <m:r>
+                                <a:rPr lang="en-US" altLang="ko-KR" i="1">
+                                  <a:latin typeface="Cambria Math" panose="02040503050406030204" pitchFamily="18" charset="0"/>
+                                </a:rPr>
+                                <m:t>𝑒</m:t>
+                              </m:r>
+                            </m:e>
+                            <m:sub>
+                              <m:r>
+                                <a:rPr lang="en-US" altLang="ko-KR" i="1">
+                                  <a:latin typeface="Cambria Math" panose="02040503050406030204" pitchFamily="18" charset="0"/>
+                                </a:rPr>
+                                <m:t>𝑡</m:t>
+                              </m:r>
+                              <m:r>
+                                <a:rPr lang="en-US" altLang="ko-KR" i="1">
+                                  <a:latin typeface="Cambria Math" panose="02040503050406030204" pitchFamily="18" charset="0"/>
+                                </a:rPr>
+                                <m:t>+1</m:t>
+                              </m:r>
+                            </m:sub>
+                          </m:sSub>
+                        </m:num>
+                        <m:den>
+                          <m:r>
+                            <a:rPr lang="en-US" altLang="ko-KR" i="1">
+                              <a:latin typeface="Cambria Math" panose="02040503050406030204" pitchFamily="18" charset="0"/>
+                            </a:rPr>
+                            <m:t>𝑐𝑙𝑜𝑠</m:t>
+                          </m:r>
+                          <m:sSub>
+                            <m:sSubPr>
+                              <m:ctrlPr>
+                                <a:rPr lang="en-US" altLang="ko-KR" i="1">
+                                  <a:latin typeface="Cambria Math" panose="02040503050406030204" pitchFamily="18" charset="0"/>
+                                </a:rPr>
+                              </m:ctrlPr>
+                            </m:sSubPr>
+                            <m:e>
+                              <m:r>
+                                <a:rPr lang="en-US" altLang="ko-KR" i="1">
+                                  <a:latin typeface="Cambria Math" panose="02040503050406030204" pitchFamily="18" charset="0"/>
+                                </a:rPr>
+                                <m:t>𝑒</m:t>
+                              </m:r>
+                            </m:e>
+                            <m:sub>
+                              <m:r>
+                                <a:rPr lang="en-US" altLang="ko-KR" i="1">
+                                  <a:latin typeface="Cambria Math" panose="02040503050406030204" pitchFamily="18" charset="0"/>
+                                </a:rPr>
+                                <m:t>𝑡</m:t>
+                              </m:r>
+                            </m:sub>
+                          </m:sSub>
+                        </m:den>
+                      </m:f>
+                    </m:oMath>
+                  </m:oMathPara>
+                </a14:m>
+                <a:endParaRPr lang="en-US" altLang="ko-KR" dirty="0" smtClean="0"/>
+              </a:p>
+              <a:p>
+                <a:pPr/>
+                <a:endParaRPr lang="en-US" altLang="ko-KR" dirty="0"/>
+              </a:p>
+              <a:p>
+                <a:pPr/>
+                <a:r>
+                  <a:rPr lang="en-US" altLang="ko-KR" dirty="0" smtClean="0"/>
+                  <a:t>Loss function = MSE</a:t>
+                </a:r>
+                <a:endParaRPr lang="ko-KR" altLang="en-US" dirty="0"/>
+              </a:p>
+            </p:txBody>
+          </p:sp>
+        </mc:Choice>
+        <mc:Fallback>
+          <p:sp>
+            <p:nvSpPr>
+              <p:cNvPr id="3" name="TextBox 2"/>
+              <p:cNvSpPr txBox="1">
+                <a:spLocks noRot="1" noChangeAspect="1" noMove="1" noResize="1" noEditPoints="1" noAdjustHandles="1" noChangeArrowheads="1" noChangeShapeType="1" noTextEdit="1"/>
+              </p:cNvSpPr>
+              <p:nvPr/>
+            </p:nvSpPr>
+            <p:spPr>
+              <a:xfrm>
+                <a:off x="552449" y="2238375"/>
+                <a:ext cx="3381375" cy="3989041"/>
+              </a:xfrm>
+              <a:prstGeom prst="rect">
+                <a:avLst/>
+              </a:prstGeom>
+              <a:blipFill>
+                <a:blip r:embed="rId4"/>
+                <a:stretch>
+                  <a:fillRect l="-1625" t="-763" b="-1374"/>
+                </a:stretch>
+              </a:blipFill>
+            </p:spPr>
+            <p:txBody>
+              <a:bodyPr/>
+              <a:lstStyle/>
+              <a:p>
+                <a:r>
+                  <a:rPr lang="ko-KR" altLang="en-US">
+                    <a:noFill/>
+                  </a:rPr>
+                  <a:t> </a:t>
+                </a:r>
+              </a:p>
+            </p:txBody>
+          </p:sp>
+        </mc:Fallback>
+      </mc:AlternateContent>
     </p:spTree>
     <p:extLst>
       <p:ext uri="{BB962C8B-B14F-4D97-AF65-F5344CB8AC3E}">
-        <p14:creationId xmlns:p14="http://schemas.microsoft.com/office/powerpoint/2010/main" val="1654417851"/>
+        <p14:creationId xmlns:p14="http://schemas.microsoft.com/office/powerpoint/2010/main" val="3122086356"/>
       </p:ext>
     </p:extLst>
   </p:cSld>
@@ -4010,7 +4264,7 @@
           <p:cNvPr id="2" name="제목 1">
             <a:extLst>
               <a:ext uri="{FF2B5EF4-FFF2-40B4-BE49-F238E27FC236}">
-                <a16:creationId xmlns:a16="http://schemas.microsoft.com/office/drawing/2014/main" id="{15D3395F-0C11-4A6B-B996-940DA5F1AA6F}"/>
+                <a16:creationId xmlns:a16="http://schemas.microsoft.com/office/drawing/2014/main" id="{F243CD34-AFB4-4E34-8DFE-BD6DE221AF46}"/>
               </a:ext>
             </a:extLst>
           </p:cNvPr>
@@ -4026,46 +4280,533 @@
           <a:bodyPr/>
           <a:lstStyle/>
           <a:p>
-            <a:endParaRPr lang="ko-KR" altLang="en-US"/>
+            <a:r>
+              <a:rPr lang="en-US" altLang="ko-KR" dirty="0"/>
+              <a:t>Allocator</a:t>
+            </a:r>
+            <a:endParaRPr lang="ko-KR" altLang="en-US" dirty="0"/>
           </a:p>
         </p:txBody>
       </p:sp>
       <p:pic>
         <p:nvPicPr>
-          <p:cNvPr id="5" name="내용 개체 틀 4">
-            <a:extLst>
-              <a:ext uri="{FF2B5EF4-FFF2-40B4-BE49-F238E27FC236}">
-                <a16:creationId xmlns:a16="http://schemas.microsoft.com/office/drawing/2014/main" id="{438345ED-F78A-4564-8975-2D4FE9BBDD61}"/>
+          <p:cNvPr id="4" name="그래픽 5">
+            <a:extLst>
+              <a:ext uri="{FF2B5EF4-FFF2-40B4-BE49-F238E27FC236}">
+                <a16:creationId xmlns:a16="http://schemas.microsoft.com/office/drawing/2014/main" id="{02D81917-20DE-4570-95A8-90374214512F}"/>
               </a:ext>
             </a:extLst>
           </p:cNvPr>
           <p:cNvPicPr>
-            <a:picLocks noGrp="1" noChangeAspect="1"/>
+            <a:picLocks noGrp="1"/>
           </p:cNvPicPr>
           <p:nvPr>
             <p:ph idx="1"/>
           </p:nvPr>
         </p:nvPicPr>
         <p:blipFill>
-          <a:blip r:embed="rId2"/>
+          <a:blip r:embed="rId2">
+            <a:extLst>
+              <a:ext uri="{96DAC541-7B7A-43D3-8B79-37D633B846F1}">
+                <asvg:svgBlip xmlns:asvg="http://schemas.microsoft.com/office/drawing/2016/SVG/main" xmlns="" r:embed="rId3"/>
+              </a:ext>
+            </a:extLst>
+          </a:blip>
           <a:stretch>
             <a:fillRect/>
           </a:stretch>
         </p:blipFill>
         <p:spPr>
           <a:xfrm>
-            <a:off x="2094823" y="1934682"/>
-            <a:ext cx="8002353" cy="4351338"/>
+            <a:off x="838200" y="1967219"/>
+            <a:ext cx="4448175" cy="2647950"/>
           </a:xfrm>
           <a:prstGeom prst="rect">
             <a:avLst/>
           </a:prstGeom>
         </p:spPr>
       </p:pic>
+      <p:pic>
+        <p:nvPicPr>
+          <p:cNvPr id="5" name="그래픽 8">
+            <a:extLst>
+              <a:ext uri="{FF2B5EF4-FFF2-40B4-BE49-F238E27FC236}">
+                <a16:creationId xmlns:a16="http://schemas.microsoft.com/office/drawing/2014/main" id="{5DD96E30-746C-44CA-A548-055413A8A2CE}"/>
+              </a:ext>
+            </a:extLst>
+          </p:cNvPr>
+          <p:cNvPicPr/>
+          <p:nvPr/>
+        </p:nvPicPr>
+        <p:blipFill>
+          <a:blip r:embed="rId4">
+            <a:extLst>
+              <a:ext uri="{96DAC541-7B7A-43D3-8B79-37D633B846F1}">
+                <asvg:svgBlip xmlns:asvg="http://schemas.microsoft.com/office/drawing/2016/SVG/main" xmlns="" r:embed="rId5"/>
+              </a:ext>
+            </a:extLst>
+          </a:blip>
+          <a:stretch>
+            <a:fillRect/>
+          </a:stretch>
+        </p:blipFill>
+        <p:spPr>
+          <a:xfrm>
+            <a:off x="6096000" y="2330439"/>
+            <a:ext cx="5039360" cy="1921510"/>
+          </a:xfrm>
+          <a:prstGeom prst="rect">
+            <a:avLst/>
+          </a:prstGeom>
+        </p:spPr>
+      </p:pic>
+      <mc:AlternateContent xmlns:mc="http://schemas.openxmlformats.org/markup-compatibility/2006">
+        <mc:Choice xmlns:a14="http://schemas.microsoft.com/office/drawing/2010/main" Requires="a14">
+          <p:sp>
+            <p:nvSpPr>
+              <p:cNvPr id="3" name="TextBox 2"/>
+              <p:cNvSpPr txBox="1"/>
+              <p:nvPr/>
+            </p:nvSpPr>
+            <p:spPr>
+              <a:xfrm>
+                <a:off x="615172" y="5114925"/>
+                <a:ext cx="10961655" cy="1371658"/>
+              </a:xfrm>
+              <a:prstGeom prst="rect">
+                <a:avLst/>
+              </a:prstGeom>
+              <a:noFill/>
+            </p:spPr>
+            <p:txBody>
+              <a:bodyPr wrap="none" rtlCol="0">
+                <a:spAutoFit/>
+              </a:bodyPr>
+              <a:lstStyle/>
+              <a:p>
+                <a:r>
+                  <a:rPr lang="ko-KR" altLang="en-US" dirty="0" smtClean="0"/>
+                  <a:t>변경점</a:t>
+                </a:r>
+                <a:r>
+                  <a:rPr lang="en-US" altLang="ko-KR" dirty="0"/>
+                  <a:t> </a:t>
+                </a:r>
+                <a:r>
+                  <a:rPr lang="en-US" altLang="ko-KR" dirty="0" smtClean="0"/>
+                  <a:t>: loss</a:t>
+                </a:r>
+                <a:r>
+                  <a:rPr lang="ko-KR" altLang="en-US" dirty="0" smtClean="0"/>
+                  <a:t>함수의 정의를 개별 주식의 수익률에서 </a:t>
+                </a:r>
+                <a:r>
+                  <a:rPr lang="ko-KR" altLang="en-US" dirty="0" err="1" smtClean="0"/>
+                  <a:t>개별주식의</a:t>
+                </a:r>
+                <a:r>
+                  <a:rPr lang="ko-KR" altLang="en-US" dirty="0" smtClean="0"/>
+                  <a:t> 수익률 </a:t>
+                </a:r>
+                <a:r>
+                  <a:rPr lang="en-US" altLang="ko-KR" dirty="0" smtClean="0"/>
+                  <a:t>– </a:t>
+                </a:r>
+                <a:r>
+                  <a:rPr lang="ko-KR" altLang="en-US" dirty="0" smtClean="0"/>
+                  <a:t>포트폴리오의 </a:t>
+                </a:r>
+                <a:r>
+                  <a:rPr lang="ko-KR" altLang="en-US" dirty="0" err="1" smtClean="0"/>
+                  <a:t>수익률으로</a:t>
+                </a:r>
+                <a:r>
+                  <a:rPr lang="ko-KR" altLang="en-US" dirty="0" smtClean="0"/>
+                  <a:t> 변경</a:t>
+                </a:r>
+                <a:endParaRPr lang="en-US" altLang="ko-KR" dirty="0" smtClean="0"/>
+              </a:p>
+              <a:p>
+                <a:endParaRPr lang="en-US" altLang="ko-KR" dirty="0"/>
+              </a:p>
+              <a:p>
+                <a14:m>
+                  <m:oMathPara xmlns:m="http://schemas.openxmlformats.org/officeDocument/2006/math">
+                    <m:oMathParaPr>
+                      <m:jc m:val="centerGroup"/>
+                    </m:oMathParaPr>
+                    <m:oMath xmlns:m="http://schemas.openxmlformats.org/officeDocument/2006/math">
+                      <m:f>
+                        <m:fPr>
+                          <m:ctrlPr>
+                            <a:rPr lang="en-US" altLang="ko-KR" b="0" i="1" smtClean="0">
+                              <a:latin typeface="Cambria Math" panose="02040503050406030204" pitchFamily="18" charset="0"/>
+                            </a:rPr>
+                          </m:ctrlPr>
+                        </m:fPr>
+                        <m:num>
+                          <m:r>
+                            <a:rPr lang="en-US" altLang="ko-KR" i="1">
+                              <a:latin typeface="Cambria Math" panose="02040503050406030204" pitchFamily="18" charset="0"/>
+                            </a:rPr>
+                            <m:t>𝑐𝑙𝑜𝑠</m:t>
+                          </m:r>
+                          <m:sSub>
+                            <m:sSubPr>
+                              <m:ctrlPr>
+                                <a:rPr lang="en-US" altLang="ko-KR" b="0" i="1" smtClean="0">
+                                  <a:latin typeface="Cambria Math" panose="02040503050406030204" pitchFamily="18" charset="0"/>
+                                </a:rPr>
+                              </m:ctrlPr>
+                            </m:sSubPr>
+                            <m:e>
+                              <m:r>
+                                <a:rPr lang="en-US" altLang="ko-KR" i="1">
+                                  <a:latin typeface="Cambria Math" panose="02040503050406030204" pitchFamily="18" charset="0"/>
+                                </a:rPr>
+                                <m:t>𝑒</m:t>
+                              </m:r>
+                            </m:e>
+                            <m:sub>
+                              <m:r>
+                                <a:rPr lang="en-US" altLang="ko-KR" b="0" i="1" smtClean="0">
+                                  <a:latin typeface="Cambria Math" panose="02040503050406030204" pitchFamily="18" charset="0"/>
+                                </a:rPr>
+                                <m:t>𝑡</m:t>
+                              </m:r>
+                              <m:r>
+                                <a:rPr lang="en-US" altLang="ko-KR" b="0" i="1" smtClean="0">
+                                  <a:latin typeface="Cambria Math" panose="02040503050406030204" pitchFamily="18" charset="0"/>
+                                </a:rPr>
+                                <m:t>+1</m:t>
+                              </m:r>
+                            </m:sub>
+                          </m:sSub>
+                        </m:num>
+                        <m:den>
+                          <m:r>
+                            <a:rPr lang="en-US" altLang="ko-KR" b="0" i="1" smtClean="0">
+                              <a:latin typeface="Cambria Math" panose="02040503050406030204" pitchFamily="18" charset="0"/>
+                            </a:rPr>
+                            <m:t>𝑐𝑙𝑜𝑠</m:t>
+                          </m:r>
+                          <m:sSub>
+                            <m:sSubPr>
+                              <m:ctrlPr>
+                                <a:rPr lang="en-US" altLang="ko-KR" b="0" i="1" smtClean="0">
+                                  <a:latin typeface="Cambria Math" panose="02040503050406030204" pitchFamily="18" charset="0"/>
+                                </a:rPr>
+                              </m:ctrlPr>
+                            </m:sSubPr>
+                            <m:e>
+                              <m:r>
+                                <a:rPr lang="en-US" altLang="ko-KR" b="0" i="1" smtClean="0">
+                                  <a:latin typeface="Cambria Math" panose="02040503050406030204" pitchFamily="18" charset="0"/>
+                                </a:rPr>
+                                <m:t>𝑒</m:t>
+                              </m:r>
+                            </m:e>
+                            <m:sub>
+                              <m:r>
+                                <a:rPr lang="en-US" altLang="ko-KR" b="0" i="1" smtClean="0">
+                                  <a:latin typeface="Cambria Math" panose="02040503050406030204" pitchFamily="18" charset="0"/>
+                                </a:rPr>
+                                <m:t>𝑡</m:t>
+                              </m:r>
+                            </m:sub>
+                          </m:sSub>
+                        </m:den>
+                      </m:f>
+                      <m:r>
+                        <a:rPr lang="en-US" altLang="ko-KR" b="0" i="1" smtClean="0">
+                          <a:latin typeface="Cambria Math" panose="02040503050406030204" pitchFamily="18" charset="0"/>
+                        </a:rPr>
+                        <m:t>∙</m:t>
+                      </m:r>
+                      <m:r>
+                        <a:rPr lang="en-US" altLang="ko-KR" b="0" i="1" smtClean="0">
+                          <a:latin typeface="Cambria Math" panose="02040503050406030204" pitchFamily="18" charset="0"/>
+                        </a:rPr>
+                        <m:t>𝜋</m:t>
+                      </m:r>
+                      <m:r>
+                        <a:rPr lang="en-US" altLang="ko-KR" b="0" i="1" smtClean="0">
+                          <a:latin typeface="Cambria Math" panose="02040503050406030204" pitchFamily="18" charset="0"/>
+                        </a:rPr>
+                        <m:t>→(</m:t>
+                      </m:r>
+                      <m:f>
+                        <m:fPr>
+                          <m:ctrlPr>
+                            <a:rPr lang="en-US" altLang="ko-KR" i="1">
+                              <a:latin typeface="Cambria Math" panose="02040503050406030204" pitchFamily="18" charset="0"/>
+                            </a:rPr>
+                          </m:ctrlPr>
+                        </m:fPr>
+                        <m:num>
+                          <m:r>
+                            <a:rPr lang="en-US" altLang="ko-KR" i="1">
+                              <a:latin typeface="Cambria Math" panose="02040503050406030204" pitchFamily="18" charset="0"/>
+                            </a:rPr>
+                            <m:t>𝑐𝑙𝑜𝑠</m:t>
+                          </m:r>
+                          <m:sSub>
+                            <m:sSubPr>
+                              <m:ctrlPr>
+                                <a:rPr lang="en-US" altLang="ko-KR" i="1">
+                                  <a:latin typeface="Cambria Math" panose="02040503050406030204" pitchFamily="18" charset="0"/>
+                                </a:rPr>
+                              </m:ctrlPr>
+                            </m:sSubPr>
+                            <m:e>
+                              <m:r>
+                                <a:rPr lang="en-US" altLang="ko-KR" i="1">
+                                  <a:latin typeface="Cambria Math" panose="02040503050406030204" pitchFamily="18" charset="0"/>
+                                </a:rPr>
+                                <m:t>𝑒</m:t>
+                              </m:r>
+                            </m:e>
+                            <m:sub>
+                              <m:r>
+                                <a:rPr lang="en-US" altLang="ko-KR" i="1">
+                                  <a:latin typeface="Cambria Math" panose="02040503050406030204" pitchFamily="18" charset="0"/>
+                                </a:rPr>
+                                <m:t>𝑡</m:t>
+                              </m:r>
+                              <m:r>
+                                <a:rPr lang="en-US" altLang="ko-KR" i="1">
+                                  <a:latin typeface="Cambria Math" panose="02040503050406030204" pitchFamily="18" charset="0"/>
+                                </a:rPr>
+                                <m:t>+1</m:t>
+                              </m:r>
+                            </m:sub>
+                          </m:sSub>
+                        </m:num>
+                        <m:den>
+                          <m:r>
+                            <a:rPr lang="en-US" altLang="ko-KR" i="1">
+                              <a:latin typeface="Cambria Math" panose="02040503050406030204" pitchFamily="18" charset="0"/>
+                            </a:rPr>
+                            <m:t>𝑐𝑙𝑜𝑠</m:t>
+                          </m:r>
+                          <m:sSub>
+                            <m:sSubPr>
+                              <m:ctrlPr>
+                                <a:rPr lang="en-US" altLang="ko-KR" i="1">
+                                  <a:latin typeface="Cambria Math" panose="02040503050406030204" pitchFamily="18" charset="0"/>
+                                </a:rPr>
+                              </m:ctrlPr>
+                            </m:sSubPr>
+                            <m:e>
+                              <m:r>
+                                <a:rPr lang="en-US" altLang="ko-KR" i="1">
+                                  <a:latin typeface="Cambria Math" panose="02040503050406030204" pitchFamily="18" charset="0"/>
+                                </a:rPr>
+                                <m:t>𝑒</m:t>
+                              </m:r>
+                            </m:e>
+                            <m:sub>
+                              <m:r>
+                                <a:rPr lang="en-US" altLang="ko-KR" i="1">
+                                  <a:latin typeface="Cambria Math" panose="02040503050406030204" pitchFamily="18" charset="0"/>
+                                </a:rPr>
+                                <m:t>𝑡</m:t>
+                              </m:r>
+                            </m:sub>
+                          </m:sSub>
+                        </m:den>
+                      </m:f>
+                      <m:r>
+                        <a:rPr lang="en-US" altLang="ko-KR" b="0" i="1" smtClean="0">
+                          <a:latin typeface="Cambria Math" panose="02040503050406030204" pitchFamily="18" charset="0"/>
+                        </a:rPr>
+                        <m:t>−</m:t>
+                      </m:r>
+                      <m:f>
+                        <m:fPr>
+                          <m:ctrlPr>
+                            <a:rPr lang="en-US" altLang="ko-KR" b="0" i="1" smtClean="0">
+                              <a:latin typeface="Cambria Math" panose="02040503050406030204" pitchFamily="18" charset="0"/>
+                            </a:rPr>
+                          </m:ctrlPr>
+                        </m:fPr>
+                        <m:num>
+                          <m:sSubSup>
+                            <m:sSubSupPr>
+                              <m:ctrlPr>
+                                <a:rPr lang="en-US" altLang="ko-KR" b="0" i="1" smtClean="0">
+                                  <a:latin typeface="Cambria Math" panose="02040503050406030204" pitchFamily="18" charset="0"/>
+                                </a:rPr>
+                              </m:ctrlPr>
+                            </m:sSubSupPr>
+                            <m:e>
+                              <m:r>
+                                <a:rPr lang="en-US" altLang="ko-KR" b="0" i="1" smtClean="0">
+                                  <a:latin typeface="Cambria Math" panose="02040503050406030204" pitchFamily="18" charset="0"/>
+                                </a:rPr>
+                                <m:t>𝑉</m:t>
+                              </m:r>
+                            </m:e>
+                            <m:sub>
+                              <m:r>
+                                <a:rPr lang="en-US" altLang="ko-KR" b="0" i="1" smtClean="0">
+                                  <a:latin typeface="Cambria Math" panose="02040503050406030204" pitchFamily="18" charset="0"/>
+                                </a:rPr>
+                                <m:t>𝑡</m:t>
+                              </m:r>
+                              <m:r>
+                                <a:rPr lang="en-US" altLang="ko-KR" b="0" i="1" smtClean="0">
+                                  <a:latin typeface="Cambria Math" panose="02040503050406030204" pitchFamily="18" charset="0"/>
+                                </a:rPr>
+                                <m:t>+1</m:t>
+                              </m:r>
+                            </m:sub>
+                            <m:sup>
+                              <m:r>
+                                <a:rPr lang="en-US" altLang="ko-KR" b="0" i="1" smtClean="0">
+                                  <a:latin typeface="Cambria Math" panose="02040503050406030204" pitchFamily="18" charset="0"/>
+                                </a:rPr>
+                                <m:t>𝑝𝑜𝑟𝑡𝑓𝑜𝑙𝑖𝑜</m:t>
+                              </m:r>
+                            </m:sup>
+                          </m:sSubSup>
+                        </m:num>
+                        <m:den>
+                          <m:sSubSup>
+                            <m:sSubSupPr>
+                              <m:ctrlPr>
+                                <a:rPr lang="en-US" altLang="ko-KR" i="1">
+                                  <a:latin typeface="Cambria Math" panose="02040503050406030204" pitchFamily="18" charset="0"/>
+                                </a:rPr>
+                              </m:ctrlPr>
+                            </m:sSubSupPr>
+                            <m:e>
+                              <m:r>
+                                <a:rPr lang="en-US" altLang="ko-KR" i="1">
+                                  <a:latin typeface="Cambria Math" panose="02040503050406030204" pitchFamily="18" charset="0"/>
+                                </a:rPr>
+                                <m:t>𝑉</m:t>
+                              </m:r>
+                            </m:e>
+                            <m:sub>
+                              <m:r>
+                                <a:rPr lang="en-US" altLang="ko-KR" i="1">
+                                  <a:latin typeface="Cambria Math" panose="02040503050406030204" pitchFamily="18" charset="0"/>
+                                </a:rPr>
+                                <m:t>𝑡</m:t>
+                              </m:r>
+                            </m:sub>
+                            <m:sup>
+                              <m:r>
+                                <a:rPr lang="en-US" altLang="ko-KR" i="1">
+                                  <a:latin typeface="Cambria Math" panose="02040503050406030204" pitchFamily="18" charset="0"/>
+                                </a:rPr>
+                                <m:t>𝑝𝑜𝑟𝑡𝑓𝑜𝑙𝑖𝑜</m:t>
+                              </m:r>
+                            </m:sup>
+                          </m:sSubSup>
+                        </m:den>
+                      </m:f>
+                      <m:r>
+                        <a:rPr lang="en-US" altLang="ko-KR" b="0" i="1" smtClean="0">
+                          <a:latin typeface="Cambria Math" panose="02040503050406030204" pitchFamily="18" charset="0"/>
+                        </a:rPr>
+                        <m:t>)∙(</m:t>
+                      </m:r>
+                      <m:r>
+                        <a:rPr lang="en-US" altLang="ko-KR" b="0" i="1" smtClean="0">
+                          <a:latin typeface="Cambria Math" panose="02040503050406030204" pitchFamily="18" charset="0"/>
+                        </a:rPr>
+                        <m:t>𝜋</m:t>
+                      </m:r>
+                      <m:r>
+                        <a:rPr lang="en-US" altLang="ko-KR" b="0" i="1" smtClean="0">
+                          <a:latin typeface="Cambria Math" panose="02040503050406030204" pitchFamily="18" charset="0"/>
+                        </a:rPr>
+                        <m:t>−</m:t>
+                      </m:r>
+                      <m:f>
+                        <m:fPr>
+                          <m:ctrlPr>
+                            <a:rPr lang="en-US" altLang="ko-KR" b="0" i="1" smtClean="0">
+                              <a:latin typeface="Cambria Math" panose="02040503050406030204" pitchFamily="18" charset="0"/>
+                            </a:rPr>
+                          </m:ctrlPr>
+                        </m:fPr>
+                        <m:num>
+                          <m:r>
+                            <a:rPr lang="en-US" altLang="ko-KR" b="0" i="1" smtClean="0">
+                              <a:latin typeface="Cambria Math" panose="02040503050406030204" pitchFamily="18" charset="0"/>
+                            </a:rPr>
+                            <m:t>1</m:t>
+                          </m:r>
+                        </m:num>
+                        <m:den>
+                          <m:r>
+                            <a:rPr lang="en-US" altLang="ko-KR" b="0" i="1" smtClean="0">
+                              <a:latin typeface="Cambria Math" panose="02040503050406030204" pitchFamily="18" charset="0"/>
+                            </a:rPr>
+                            <m:t>10</m:t>
+                          </m:r>
+                        </m:den>
+                      </m:f>
+                      <m:r>
+                        <a:rPr lang="en-US" altLang="ko-KR" b="0" i="1" smtClean="0">
+                          <a:latin typeface="Cambria Math" panose="02040503050406030204" pitchFamily="18" charset="0"/>
+                        </a:rPr>
+                        <m:t>)</m:t>
+                      </m:r>
+                    </m:oMath>
+                  </m:oMathPara>
+                </a14:m>
+                <a:endParaRPr lang="en-US" altLang="ko-KR" dirty="0" smtClean="0"/>
+              </a:p>
+            </p:txBody>
+          </p:sp>
+        </mc:Choice>
+        <mc:Fallback>
+          <p:sp>
+            <p:nvSpPr>
+              <p:cNvPr id="3" name="TextBox 2"/>
+              <p:cNvSpPr txBox="1">
+                <a:spLocks noRot="1" noChangeAspect="1" noMove="1" noResize="1" noEditPoints="1" noAdjustHandles="1" noChangeArrowheads="1" noChangeShapeType="1" noTextEdit="1"/>
+              </p:cNvSpPr>
+              <p:nvPr/>
+            </p:nvSpPr>
+            <p:spPr>
+              <a:xfrm>
+                <a:off x="615172" y="5114925"/>
+                <a:ext cx="10961655" cy="1371658"/>
+              </a:xfrm>
+              <a:prstGeom prst="rect">
+                <a:avLst/>
+              </a:prstGeom>
+              <a:blipFill>
+                <a:blip r:embed="rId6"/>
+                <a:stretch>
+                  <a:fillRect l="-501" t="-2222"/>
+                </a:stretch>
+              </a:blipFill>
+            </p:spPr>
+            <p:txBody>
+              <a:bodyPr/>
+              <a:lstStyle/>
+              <a:p>
+                <a:r>
+                  <a:rPr lang="ko-KR" altLang="en-US">
+                    <a:noFill/>
+                  </a:rPr>
+                  <a:t> </a:t>
+                </a:r>
+              </a:p>
+            </p:txBody>
+          </p:sp>
+        </mc:Fallback>
+      </mc:AlternateContent>
     </p:spTree>
     <p:extLst>
       <p:ext uri="{BB962C8B-B14F-4D97-AF65-F5344CB8AC3E}">
-        <p14:creationId xmlns:p14="http://schemas.microsoft.com/office/powerpoint/2010/main" val="3823574420"/>
+        <p14:creationId xmlns:p14="http://schemas.microsoft.com/office/powerpoint/2010/main" val="1654417851"/>
       </p:ext>
     </p:extLst>
   </p:cSld>
@@ -4114,8 +4855,8 @@
           <a:lstStyle/>
           <a:p>
             <a:r>
-              <a:rPr lang="en-US" altLang="ko-KR" dirty="0"/>
-              <a:t>test</a:t>
+              <a:rPr lang="en-US" altLang="ko-KR" dirty="0" smtClean="0"/>
+              <a:t>Test result</a:t>
             </a:r>
             <a:endParaRPr lang="ko-KR" altLang="en-US" dirty="0"/>
           </a:p>
@@ -4135,7 +4876,7 @@
         </p:nvSpPr>
         <p:spPr>
           <a:xfrm>
-            <a:off x="4169327" y="5821960"/>
+            <a:off x="6541052" y="5926735"/>
             <a:ext cx="2751074" cy="369332"/>
           </a:xfrm>
           <a:prstGeom prst="rect">
@@ -4185,7 +4926,7 @@
         </p:blipFill>
         <p:spPr>
           <a:xfrm>
-            <a:off x="2914499" y="2268414"/>
+            <a:off x="5286224" y="2373189"/>
             <a:ext cx="4903317" cy="3328158"/>
           </a:xfrm>
           <a:prstGeom prst="rect">
@@ -4193,6 +4934,109 @@
           </a:prstGeom>
         </p:spPr>
       </p:pic>
+      <p:sp>
+        <p:nvSpPr>
+          <p:cNvPr id="3" name="TextBox 2"/>
+          <p:cNvSpPr txBox="1"/>
+          <p:nvPr/>
+        </p:nvSpPr>
+        <p:spPr>
+          <a:xfrm>
+            <a:off x="647699" y="2373189"/>
+            <a:ext cx="4010025" cy="3139321"/>
+          </a:xfrm>
+          <a:prstGeom prst="rect">
+            <a:avLst/>
+          </a:prstGeom>
+          <a:noFill/>
+        </p:spPr>
+        <p:txBody>
+          <a:bodyPr wrap="square" rtlCol="0">
+            <a:spAutoFit/>
+          </a:bodyPr>
+          <a:lstStyle/>
+          <a:p>
+            <a:r>
+              <a:rPr lang="ko-KR" altLang="en-US" dirty="0" smtClean="0"/>
+              <a:t>시가총액 상위 </a:t>
+            </a:r>
+            <a:r>
+              <a:rPr lang="en-US" altLang="ko-KR" dirty="0" smtClean="0"/>
+              <a:t>10</a:t>
+            </a:r>
+            <a:r>
+              <a:rPr lang="ko-KR" altLang="en-US" dirty="0" smtClean="0"/>
+              <a:t>개의 종목으로 임의 선정했을 때에 자산가치는 </a:t>
+            </a:r>
+            <a:r>
+              <a:rPr lang="ko-KR" altLang="en-US" dirty="0" err="1" smtClean="0"/>
+              <a:t>초기대비</a:t>
+            </a:r>
+            <a:r>
+              <a:rPr lang="ko-KR" altLang="en-US" dirty="0" smtClean="0"/>
+              <a:t> </a:t>
+            </a:r>
+            <a:r>
+              <a:rPr lang="en-US" altLang="ko-KR" dirty="0" smtClean="0"/>
+              <a:t>1.56</a:t>
+            </a:r>
+            <a:r>
+              <a:rPr lang="ko-KR" altLang="en-US" dirty="0" smtClean="0"/>
+              <a:t>배였으며 매일 균등비중으로 재투자했을 때의 자산가치는 </a:t>
+            </a:r>
+            <a:r>
+              <a:rPr lang="en-US" altLang="ko-KR" dirty="0" smtClean="0"/>
+              <a:t>1.42</a:t>
+            </a:r>
+            <a:r>
+              <a:rPr lang="ko-KR" altLang="en-US" dirty="0" smtClean="0"/>
+              <a:t>배였음</a:t>
+            </a:r>
+            <a:endParaRPr lang="en-US" altLang="ko-KR" dirty="0" smtClean="0"/>
+          </a:p>
+          <a:p>
+            <a:endParaRPr lang="en-US" altLang="ko-KR" dirty="0" smtClean="0"/>
+          </a:p>
+          <a:p>
+            <a:r>
+              <a:rPr lang="ko-KR" altLang="en-US" dirty="0" smtClean="0"/>
+              <a:t>우측의 그림은 </a:t>
+            </a:r>
+            <a:r>
+              <a:rPr lang="en-US" altLang="ko-KR" dirty="0" smtClean="0"/>
+              <a:t>selector </a:t>
+            </a:r>
+            <a:r>
+              <a:rPr lang="ko-KR" altLang="en-US" dirty="0" smtClean="0"/>
+              <a:t>네트워크를 추가하여 종목 선택을 했을 때의 결과</a:t>
+            </a:r>
+            <a:endParaRPr lang="en-US" altLang="ko-KR" dirty="0" smtClean="0"/>
+          </a:p>
+          <a:p>
+            <a:r>
+              <a:rPr lang="ko-KR" altLang="en-US" dirty="0" smtClean="0"/>
+              <a:t>주황색의 </a:t>
+            </a:r>
+            <a:r>
+              <a:rPr lang="en-US" altLang="ko-KR" dirty="0" smtClean="0"/>
+              <a:t>ks200</a:t>
+            </a:r>
+            <a:r>
+              <a:rPr lang="ko-KR" altLang="en-US" dirty="0" smtClean="0"/>
+              <a:t>은 코스피</a:t>
+            </a:r>
+            <a:r>
+              <a:rPr lang="en-US" altLang="ko-KR" dirty="0" smtClean="0"/>
+              <a:t>200</a:t>
+            </a:r>
+            <a:r>
+              <a:rPr lang="ko-KR" altLang="en-US" dirty="0" err="1" smtClean="0"/>
+              <a:t>인덱스지수</a:t>
+            </a:r>
+            <a:endParaRPr lang="en-US" altLang="ko-KR" dirty="0"/>
+          </a:p>
+        </p:txBody>
+      </p:sp>
     </p:spTree>
     <p:extLst>
       <p:ext uri="{BB962C8B-B14F-4D97-AF65-F5344CB8AC3E}">
